--- a/開発概念.pptx
+++ b/開発概念.pptx
@@ -6,10 +6,11 @@
   </p:sldMasterIdLst>
   <p:sldIdLst>
     <p:sldId id="256" r:id="rId2"/>
-    <p:sldId id="257" r:id="rId3"/>
-    <p:sldId id="260" r:id="rId4"/>
-    <p:sldId id="258" r:id="rId5"/>
-    <p:sldId id="259" r:id="rId6"/>
+    <p:sldId id="261" r:id="rId3"/>
+    <p:sldId id="257" r:id="rId4"/>
+    <p:sldId id="260" r:id="rId5"/>
+    <p:sldId id="258" r:id="rId6"/>
+    <p:sldId id="259" r:id="rId7"/>
   </p:sldIdLst>
   <p:sldSz cx="12192000" cy="6858000"/>
   <p:notesSz cx="6858000" cy="9144000"/>
@@ -108,6 +109,11 @@
       </a:defRPr>
     </a:lvl9pPr>
   </p:defaultTextStyle>
+  <p:extLst>
+    <p:ext uri="{EFAFB233-063F-42B5-8137-9DF3F51BA10A}">
+      <p15:sldGuideLst xmlns:p15="http://schemas.microsoft.com/office/powerpoint/2012/main"/>
+    </p:ext>
+  </p:extLst>
 </p:presentation>
 </file>
 
@@ -857,7 +863,7 @@
             <a:fld id="{B61BEF0D-F0BB-DE4B-95CE-6DB70DBA9567}" type="datetimeFigureOut">
               <a:rPr lang="en-US" dirty="0"/>
               <a:pPr/>
-              <a:t>4/18/2017</a:t>
+              <a:t>4/21/2017</a:t>
             </a:fld>
             <a:endParaRPr lang="en-US" dirty="0"/>
           </a:p>
@@ -1105,7 +1111,7 @@
             <a:fld id="{B61BEF0D-F0BB-DE4B-95CE-6DB70DBA9567}" type="datetimeFigureOut">
               <a:rPr lang="en-US" dirty="0"/>
               <a:pPr/>
-              <a:t>4/18/2017</a:t>
+              <a:t>4/21/2017</a:t>
             </a:fld>
             <a:endParaRPr lang="en-US" dirty="0"/>
           </a:p>
@@ -1416,7 +1422,7 @@
             <a:fld id="{B61BEF0D-F0BB-DE4B-95CE-6DB70DBA9567}" type="datetimeFigureOut">
               <a:rPr lang="en-US" dirty="0"/>
               <a:pPr/>
-              <a:t>4/18/2017</a:t>
+              <a:t>4/21/2017</a:t>
             </a:fld>
             <a:endParaRPr lang="en-US" dirty="0"/>
           </a:p>
@@ -1746,7 +1752,7 @@
             <a:fld id="{B61BEF0D-F0BB-DE4B-95CE-6DB70DBA9567}" type="datetimeFigureOut">
               <a:rPr lang="en-US" dirty="0"/>
               <a:pPr/>
-              <a:t>4/18/2017</a:t>
+              <a:t>4/21/2017</a:t>
             </a:fld>
             <a:endParaRPr lang="en-US" dirty="0"/>
           </a:p>
@@ -2057,7 +2063,7 @@
             <a:fld id="{B61BEF0D-F0BB-DE4B-95CE-6DB70DBA9567}" type="datetimeFigureOut">
               <a:rPr lang="en-US" dirty="0"/>
               <a:pPr/>
-              <a:t>4/18/2017</a:t>
+              <a:t>4/21/2017</a:t>
             </a:fld>
             <a:endParaRPr lang="en-US" dirty="0"/>
           </a:p>
@@ -2447,7 +2453,7 @@
             <a:fld id="{B61BEF0D-F0BB-DE4B-95CE-6DB70DBA9567}" type="datetimeFigureOut">
               <a:rPr lang="en-US" dirty="0"/>
               <a:pPr/>
-              <a:t>4/18/2017</a:t>
+              <a:t>4/21/2017</a:t>
             </a:fld>
             <a:endParaRPr lang="en-US" dirty="0"/>
           </a:p>
@@ -2645,7 +2651,7 @@
           <a:p>
             <a:fld id="{55C6B4A9-1611-4792-9094-5F34BCA07E0B}" type="datetimeFigureOut">
               <a:rPr lang="en-US" dirty="0"/>
-              <a:t>4/18/2017</a:t>
+              <a:t>4/21/2017</a:t>
             </a:fld>
             <a:endParaRPr lang="en-US" dirty="0"/>
           </a:p>
@@ -2853,7 +2859,7 @@
             <a:fld id="{B61BEF0D-F0BB-DE4B-95CE-6DB70DBA9567}" type="datetimeFigureOut">
               <a:rPr lang="en-US" dirty="0"/>
               <a:pPr/>
-              <a:t>4/18/2017</a:t>
+              <a:t>4/21/2017</a:t>
             </a:fld>
             <a:endParaRPr lang="en-US" dirty="0"/>
           </a:p>
@@ -3051,7 +3057,7 @@
           <a:p>
             <a:fld id="{42A54C80-263E-416B-A8E0-580EDEADCBDC}" type="datetimeFigureOut">
               <a:rPr lang="en-US" dirty="0"/>
-              <a:t>4/18/2017</a:t>
+              <a:t>4/21/2017</a:t>
             </a:fld>
             <a:endParaRPr lang="en-US" dirty="0"/>
           </a:p>
@@ -3294,7 +3300,7 @@
             <a:fld id="{B61BEF0D-F0BB-DE4B-95CE-6DB70DBA9567}" type="datetimeFigureOut">
               <a:rPr lang="en-US" dirty="0"/>
               <a:pPr/>
-              <a:t>4/18/2017</a:t>
+              <a:t>4/21/2017</a:t>
             </a:fld>
             <a:endParaRPr lang="en-US" dirty="0"/>
           </a:p>
@@ -3586,7 +3592,7 @@
           <a:p>
             <a:fld id="{42A54C80-263E-416B-A8E0-580EDEADCBDC}" type="datetimeFigureOut">
               <a:rPr lang="en-US" dirty="0"/>
-              <a:t>4/18/2017</a:t>
+              <a:t>4/21/2017</a:t>
             </a:fld>
             <a:endParaRPr lang="en-US" dirty="0"/>
           </a:p>
@@ -4020,7 +4026,7 @@
             <a:fld id="{B61BEF0D-F0BB-DE4B-95CE-6DB70DBA9567}" type="datetimeFigureOut">
               <a:rPr lang="en-US" dirty="0"/>
               <a:pPr/>
-              <a:t>4/18/2017</a:t>
+              <a:t>4/21/2017</a:t>
             </a:fld>
             <a:endParaRPr lang="en-US" dirty="0"/>
           </a:p>
@@ -4140,7 +4146,7 @@
             <a:fld id="{B61BEF0D-F0BB-DE4B-95CE-6DB70DBA9567}" type="datetimeFigureOut">
               <a:rPr lang="en-US" dirty="0"/>
               <a:pPr/>
-              <a:t>4/18/2017</a:t>
+              <a:t>4/21/2017</a:t>
             </a:fld>
             <a:endParaRPr lang="en-US" dirty="0"/>
           </a:p>
@@ -4232,7 +4238,7 @@
             <a:fld id="{B61BEF0D-F0BB-DE4B-95CE-6DB70DBA9567}" type="datetimeFigureOut">
               <a:rPr lang="en-US" dirty="0"/>
               <a:pPr/>
-              <a:t>4/18/2017</a:t>
+              <a:t>4/21/2017</a:t>
             </a:fld>
             <a:endParaRPr lang="en-US" dirty="0"/>
           </a:p>
@@ -4515,7 +4521,7 @@
           <a:p>
             <a:fld id="{42A54C80-263E-416B-A8E0-580EDEADCBDC}" type="datetimeFigureOut">
               <a:rPr lang="en-US" dirty="0"/>
-              <a:t>4/18/2017</a:t>
+              <a:t>4/21/2017</a:t>
             </a:fld>
             <a:endParaRPr lang="en-US" dirty="0"/>
           </a:p>
@@ -4817,7 +4823,7 @@
             <a:fld id="{B61BEF0D-F0BB-DE4B-95CE-6DB70DBA9567}" type="datetimeFigureOut">
               <a:rPr lang="en-US" dirty="0"/>
               <a:pPr/>
-              <a:t>4/18/2017</a:t>
+              <a:t>4/21/2017</a:t>
             </a:fld>
             <a:endParaRPr lang="en-US" dirty="0"/>
           </a:p>
@@ -5547,7 +5553,7 @@
             <a:fld id="{B61BEF0D-F0BB-DE4B-95CE-6DB70DBA9567}" type="datetimeFigureOut">
               <a:rPr lang="en-US" dirty="0"/>
               <a:pPr/>
-              <a:t>4/18/2017</a:t>
+              <a:t>4/21/2017</a:t>
             </a:fld>
             <a:endParaRPr lang="en-US" dirty="0"/>
           </a:p>
@@ -6160,7 +6166,7 @@
         <p:spPr>
           <a:xfrm>
             <a:off x="395416" y="205945"/>
-            <a:ext cx="2236510" cy="707886"/>
+            <a:ext cx="6202339" cy="707886"/>
           </a:xfrm>
           <a:prstGeom prst="rect">
             <a:avLst/>
@@ -6175,7 +6181,19 @@
           <a:p>
             <a:r>
               <a:rPr kumimoji="1" lang="ja-JP" altLang="en-US" sz="4000" dirty="0" smtClean="0"/>
-              <a:t>研究目標</a:t>
+              <a:t>そもそも</a:t>
+            </a:r>
+            <a:r>
+              <a:rPr kumimoji="1" lang="en-US" altLang="ja-JP" sz="4000" dirty="0" err="1" smtClean="0"/>
+              <a:t>Git</a:t>
+            </a:r>
+            <a:r>
+              <a:rPr kumimoji="1" lang="en-US" altLang="ja-JP" sz="4000" dirty="0" err="1" smtClean="0"/>
+              <a:t>,Github</a:t>
+            </a:r>
+            <a:r>
+              <a:rPr kumimoji="1" lang="ja-JP" altLang="en-US" sz="4000" dirty="0" smtClean="0"/>
+              <a:t>とは？</a:t>
             </a:r>
             <a:endParaRPr kumimoji="1" lang="ja-JP" altLang="en-US" sz="4000" dirty="0"/>
           </a:p>
@@ -6183,14 +6201,14 @@
       </p:sp>
       <p:sp>
         <p:nvSpPr>
-          <p:cNvPr id="3" name="テキスト ボックス 2"/>
+          <p:cNvPr id="4" name="テキスト ボックス 3"/>
           <p:cNvSpPr txBox="1"/>
           <p:nvPr/>
         </p:nvSpPr>
         <p:spPr>
           <a:xfrm>
-            <a:off x="395416" y="1375719"/>
-            <a:ext cx="9065302" cy="2246769"/>
+            <a:off x="502508" y="1392195"/>
+            <a:ext cx="7510389" cy="1754326"/>
           </a:xfrm>
           <a:prstGeom prst="rect">
             <a:avLst/>
@@ -6204,169 +6222,116 @@
           <a:lstStyle/>
           <a:p>
             <a:r>
-              <a:rPr kumimoji="1" lang="ja-JP" altLang="en-US" sz="2000" dirty="0" smtClean="0"/>
-              <a:t>主に</a:t>
-            </a:r>
-            <a:r>
-              <a:rPr kumimoji="1" lang="en-US" altLang="ja-JP" sz="2000" dirty="0" err="1" smtClean="0"/>
-              <a:t>github</a:t>
-            </a:r>
-            <a:r>
-              <a:rPr kumimoji="1" lang="ja-JP" altLang="en-US" sz="2000" dirty="0" smtClean="0"/>
-              <a:t>を使いゲームを作成する流れや、</a:t>
-            </a:r>
-            <a:endParaRPr kumimoji="1" lang="en-US" altLang="ja-JP" sz="2000" dirty="0" smtClean="0"/>
-          </a:p>
-          <a:p>
-            <a:r>
-              <a:rPr kumimoji="1" lang="en-US" altLang="ja-JP" sz="2000" dirty="0" err="1"/>
-              <a:t>g</a:t>
-            </a:r>
-            <a:r>
-              <a:rPr kumimoji="1" lang="en-US" altLang="ja-JP" sz="2000" dirty="0" err="1" smtClean="0"/>
-              <a:t>ithub</a:t>
-            </a:r>
-            <a:r>
-              <a:rPr kumimoji="1" lang="ja-JP" altLang="en-US" sz="2000" dirty="0" smtClean="0"/>
-              <a:t>そのものの</a:t>
-            </a:r>
-            <a:r>
-              <a:rPr kumimoji="1" lang="en-US" altLang="ja-JP" sz="2000" dirty="0" smtClean="0"/>
-              <a:t>web</a:t>
-            </a:r>
-            <a:r>
-              <a:rPr kumimoji="1" lang="ja-JP" altLang="en-US" sz="2000" dirty="0" smtClean="0"/>
-              <a:t>ページの機能の説明、</a:t>
-            </a:r>
-            <a:endParaRPr kumimoji="1" lang="en-US" altLang="ja-JP" sz="2000" dirty="0" smtClean="0"/>
-          </a:p>
-          <a:p>
-            <a:r>
-              <a:rPr kumimoji="1" lang="ja-JP" altLang="en-US" sz="2000" dirty="0" smtClean="0"/>
-              <a:t>それに関して使う</a:t>
-            </a:r>
-            <a:r>
-              <a:rPr kumimoji="1" lang="ja-JP" altLang="en-US" sz="2000" dirty="0" smtClean="0">
-                <a:solidFill>
-                  <a:srgbClr val="FF0000"/>
-                </a:solidFill>
-              </a:rPr>
-              <a:t>ソフト</a:t>
-            </a:r>
-            <a:r>
-              <a:rPr kumimoji="1" lang="ja-JP" altLang="en-US" sz="2000" dirty="0" smtClean="0"/>
-              <a:t>などの使い方の使い方を説明する。</a:t>
-            </a:r>
-            <a:endParaRPr kumimoji="1" lang="en-US" altLang="ja-JP" sz="2000" dirty="0" smtClean="0"/>
-          </a:p>
-          <a:p>
-            <a:r>
-              <a:rPr kumimoji="1" lang="ja-JP" altLang="en-US" sz="2000" dirty="0"/>
-              <a:t>実際</a:t>
-            </a:r>
-            <a:r>
-              <a:rPr kumimoji="1" lang="ja-JP" altLang="en-US" sz="2000" dirty="0" smtClean="0"/>
-              <a:t>には</a:t>
-            </a:r>
-            <a:r>
-              <a:rPr kumimoji="1" lang="en-US" altLang="ja-JP" sz="2000" dirty="0" err="1" smtClean="0"/>
-              <a:t>github</a:t>
-            </a:r>
-            <a:r>
-              <a:rPr kumimoji="1" lang="ja-JP" altLang="en-US" sz="2000" dirty="0" smtClean="0"/>
-              <a:t>の</a:t>
-            </a:r>
-            <a:r>
-              <a:rPr kumimoji="1" lang="en-US" altLang="ja-JP" sz="2000" dirty="0" smtClean="0"/>
-              <a:t>web</a:t>
-            </a:r>
-            <a:r>
-              <a:rPr kumimoji="1" lang="ja-JP" altLang="en-US" sz="2000" dirty="0" smtClean="0"/>
-              <a:t>の方で大体の操作は出来てしまうが、</a:t>
-            </a:r>
-            <a:endParaRPr kumimoji="1" lang="en-US" altLang="ja-JP" sz="2000" dirty="0" smtClean="0"/>
-          </a:p>
-          <a:p>
-            <a:r>
-              <a:rPr kumimoji="1" lang="ja-JP" altLang="en-US" sz="2000" dirty="0" smtClean="0"/>
-              <a:t>それだけでは完璧に使いこなせたとは言えないので、</a:t>
-            </a:r>
-            <a:endParaRPr kumimoji="1" lang="en-US" altLang="ja-JP" sz="2000" dirty="0" smtClean="0"/>
-          </a:p>
-          <a:p>
-            <a:r>
-              <a:rPr kumimoji="1" lang="ja-JP" altLang="en-US" sz="2000" dirty="0" smtClean="0"/>
-              <a:t>実際に</a:t>
-            </a:r>
-            <a:r>
-              <a:rPr kumimoji="1" lang="en-US" altLang="ja-JP" sz="2000" dirty="0" err="1" smtClean="0"/>
-              <a:t>github</a:t>
-            </a:r>
-            <a:r>
-              <a:rPr kumimoji="1" lang="en-US" altLang="ja-JP" sz="2000" dirty="0" smtClean="0"/>
-              <a:t> desktop</a:t>
-            </a:r>
-            <a:r>
-              <a:rPr kumimoji="1" lang="ja-JP" altLang="en-US" sz="2000" dirty="0" err="1" smtClean="0"/>
-              <a:t>での</a:t>
-            </a:r>
-            <a:r>
-              <a:rPr kumimoji="1" lang="ja-JP" altLang="en-US" sz="2000" dirty="0" smtClean="0"/>
-              <a:t>操作により行っているコマンドなどの説明もして、</a:t>
-            </a:r>
-            <a:endParaRPr kumimoji="1" lang="en-US" altLang="ja-JP" sz="2000" dirty="0" smtClean="0"/>
-          </a:p>
-          <a:p>
-            <a:r>
-              <a:rPr kumimoji="1" lang="ja-JP" altLang="en-US" sz="2000" dirty="0" smtClean="0"/>
-              <a:t>学生向けの説明資料を作成する。</a:t>
-            </a:r>
-            <a:endParaRPr kumimoji="1" lang="en-US" altLang="ja-JP" sz="2000" dirty="0" smtClean="0"/>
-          </a:p>
-        </p:txBody>
-      </p:sp>
-      <p:sp>
-        <p:nvSpPr>
-          <p:cNvPr id="4" name="テキスト ボックス 3"/>
-          <p:cNvSpPr txBox="1"/>
-          <p:nvPr/>
-        </p:nvSpPr>
-        <p:spPr>
-          <a:xfrm>
-            <a:off x="1260389" y="4407244"/>
-            <a:ext cx="7072770" cy="523220"/>
-          </a:xfrm>
-          <a:prstGeom prst="rect">
-            <a:avLst/>
-          </a:prstGeom>
-          <a:noFill/>
-        </p:spPr>
-        <p:txBody>
-          <a:bodyPr wrap="none" rtlCol="0">
-            <a:spAutoFit/>
-          </a:bodyPr>
-          <a:lstStyle/>
-          <a:p>
-            <a:r>
-              <a:rPr kumimoji="1" lang="ja-JP" altLang="en-US" sz="2800" dirty="0" smtClean="0"/>
-              <a:t>実際に</a:t>
-            </a:r>
-            <a:r>
-              <a:rPr kumimoji="1" lang="en-US" altLang="ja-JP" sz="2800" dirty="0" err="1" smtClean="0"/>
-              <a:t>git</a:t>
-            </a:r>
-            <a:r>
-              <a:rPr kumimoji="1" lang="ja-JP" altLang="en-US" sz="2800" dirty="0" smtClean="0"/>
-              <a:t>を使い作ったゲームも発表する。</a:t>
-            </a:r>
-            <a:endParaRPr kumimoji="1" lang="ja-JP" altLang="en-US" sz="2800" dirty="0"/>
+              <a:rPr kumimoji="1" lang="en-US" altLang="ja-JP" dirty="0" err="1" smtClean="0"/>
+              <a:t>Git</a:t>
+            </a:r>
+            <a:r>
+              <a:rPr kumimoji="1" lang="ja-JP" altLang="en-US" dirty="0" smtClean="0"/>
+              <a:t>とは</a:t>
+            </a:r>
+            <a:r>
+              <a:rPr lang="ja-JP" altLang="en-US" dirty="0"/>
+              <a:t>プログラムのソースコードなどの変更履歴</a:t>
+            </a:r>
+            <a:r>
+              <a:rPr lang="ja-JP" altLang="en-US" dirty="0" smtClean="0"/>
+              <a:t>を</a:t>
+            </a:r>
+            <a:endParaRPr lang="en-US" altLang="ja-JP" dirty="0" smtClean="0"/>
+          </a:p>
+          <a:p>
+            <a:r>
+              <a:rPr lang="ja-JP" altLang="en-US" dirty="0" smtClean="0"/>
+              <a:t>記録</a:t>
+            </a:r>
+            <a:r>
+              <a:rPr lang="ja-JP" altLang="en-US" dirty="0"/>
+              <a:t>・追跡するための分散型バージョン管理システムで</a:t>
+            </a:r>
+            <a:r>
+              <a:rPr lang="ja-JP" altLang="en-US" dirty="0" smtClean="0"/>
+              <a:t>ある。</a:t>
+            </a:r>
+            <a:endParaRPr lang="en-US" altLang="ja-JP" dirty="0" smtClean="0"/>
+          </a:p>
+          <a:p>
+            <a:r>
+              <a:rPr lang="ja-JP" altLang="en-US" dirty="0" smtClean="0"/>
+              <a:t>簡単に言うとバージョン管理ソフト</a:t>
+            </a:r>
+            <a:endParaRPr lang="en-US" altLang="ja-JP" dirty="0" smtClean="0"/>
+          </a:p>
+          <a:p>
+            <a:r>
+              <a:rPr lang="en-US" altLang="ja-JP" dirty="0" err="1" smtClean="0"/>
+              <a:t>Github</a:t>
+            </a:r>
+            <a:r>
+              <a:rPr lang="ja-JP" altLang="en-US" dirty="0" smtClean="0"/>
+              <a:t>とは</a:t>
+            </a:r>
+            <a:r>
+              <a:rPr lang="ja-JP" altLang="en-US" dirty="0"/>
+              <a:t>、この</a:t>
+            </a:r>
+            <a:r>
+              <a:rPr lang="en-US" altLang="ja-JP" dirty="0" err="1"/>
+              <a:t>Git</a:t>
+            </a:r>
+            <a:r>
+              <a:rPr lang="ja-JP" altLang="en-US" dirty="0"/>
+              <a:t>の仕組みを利用して</a:t>
+            </a:r>
+            <a:r>
+              <a:rPr lang="ja-JP" altLang="en-US" dirty="0" smtClean="0"/>
+              <a:t>、</a:t>
+            </a:r>
+            <a:endParaRPr lang="en-US" altLang="ja-JP" smtClean="0"/>
+          </a:p>
+          <a:p>
+            <a:r>
+              <a:rPr lang="ja-JP" altLang="en-US" smtClean="0"/>
+              <a:t>世界中</a:t>
+            </a:r>
+            <a:r>
+              <a:rPr lang="ja-JP" altLang="en-US" dirty="0"/>
+              <a:t>の人々が自分の作品</a:t>
+            </a:r>
+            <a:r>
+              <a:rPr lang="en-US" altLang="ja-JP" dirty="0"/>
+              <a:t>(</a:t>
+            </a:r>
+            <a:r>
+              <a:rPr lang="ja-JP" altLang="en-US" dirty="0"/>
+              <a:t>プログラムコードやデザインデータなど</a:t>
+            </a:r>
+            <a:r>
+              <a:rPr lang="en-US" altLang="ja-JP" dirty="0"/>
+              <a:t>)</a:t>
+            </a:r>
+            <a:r>
+              <a:rPr lang="ja-JP" altLang="en-US" dirty="0" smtClean="0"/>
+              <a:t>を</a:t>
+            </a:r>
+            <a:endParaRPr lang="en-US" altLang="ja-JP" dirty="0" smtClean="0"/>
+          </a:p>
+          <a:p>
+            <a:r>
+              <a:rPr lang="ja-JP" altLang="en-US" dirty="0" smtClean="0"/>
+              <a:t>保存</a:t>
+            </a:r>
+            <a:r>
+              <a:rPr lang="ja-JP" altLang="en-US" dirty="0"/>
+              <a:t>、公開することができるようにしたウェブサービスの名称です。</a:t>
+            </a:r>
+            <a:endParaRPr lang="en-US" altLang="ja-JP" dirty="0" smtClean="0"/>
           </a:p>
         </p:txBody>
       </p:sp>
     </p:spTree>
     <p:extLst>
       <p:ext uri="{BB962C8B-B14F-4D97-AF65-F5344CB8AC3E}">
-        <p14:creationId xmlns:p14="http://schemas.microsoft.com/office/powerpoint/2010/main" val="2060754509"/>
+        <p14:creationId xmlns:p14="http://schemas.microsoft.com/office/powerpoint/2010/main" val="4232785729"/>
       </p:ext>
     </p:extLst>
   </p:cSld>
@@ -6401,6 +6366,284 @@
         </p:nvSpPr>
         <p:spPr>
           <a:xfrm>
+            <a:off x="395416" y="205945"/>
+            <a:ext cx="2236510" cy="707886"/>
+          </a:xfrm>
+          <a:prstGeom prst="rect">
+            <a:avLst/>
+          </a:prstGeom>
+          <a:noFill/>
+        </p:spPr>
+        <p:txBody>
+          <a:bodyPr wrap="none" rtlCol="0">
+            <a:spAutoFit/>
+          </a:bodyPr>
+          <a:lstStyle/>
+          <a:p>
+            <a:r>
+              <a:rPr kumimoji="1" lang="ja-JP" altLang="en-US" sz="4000" dirty="0" smtClean="0"/>
+              <a:t>研究目標</a:t>
+            </a:r>
+            <a:endParaRPr kumimoji="1" lang="ja-JP" altLang="en-US" sz="4000" dirty="0"/>
+          </a:p>
+        </p:txBody>
+      </p:sp>
+      <p:sp>
+        <p:nvSpPr>
+          <p:cNvPr id="3" name="テキスト ボックス 2"/>
+          <p:cNvSpPr txBox="1"/>
+          <p:nvPr/>
+        </p:nvSpPr>
+        <p:spPr>
+          <a:xfrm>
+            <a:off x="395416" y="1375719"/>
+            <a:ext cx="9834744" cy="2246769"/>
+          </a:xfrm>
+          <a:prstGeom prst="rect">
+            <a:avLst/>
+          </a:prstGeom>
+          <a:noFill/>
+        </p:spPr>
+        <p:txBody>
+          <a:bodyPr wrap="none" rtlCol="0">
+            <a:spAutoFit/>
+          </a:bodyPr>
+          <a:lstStyle/>
+          <a:p>
+            <a:r>
+              <a:rPr kumimoji="1" lang="ja-JP" altLang="en-US" sz="2000" dirty="0" smtClean="0"/>
+              <a:t>主に</a:t>
+            </a:r>
+            <a:r>
+              <a:rPr kumimoji="1" lang="en-US" altLang="ja-JP" sz="2000" dirty="0" err="1" smtClean="0"/>
+              <a:t>github</a:t>
+            </a:r>
+            <a:r>
+              <a:rPr kumimoji="1" lang="ja-JP" altLang="en-US" sz="2000" dirty="0" smtClean="0"/>
+              <a:t>を使いゲームを作成する流れや、</a:t>
+            </a:r>
+            <a:endParaRPr kumimoji="1" lang="en-US" altLang="ja-JP" sz="2000" dirty="0" smtClean="0"/>
+          </a:p>
+          <a:p>
+            <a:r>
+              <a:rPr kumimoji="1" lang="en-US" altLang="ja-JP" sz="2000" dirty="0" err="1"/>
+              <a:t>g</a:t>
+            </a:r>
+            <a:r>
+              <a:rPr kumimoji="1" lang="en-US" altLang="ja-JP" sz="2000" dirty="0" err="1" smtClean="0"/>
+              <a:t>ithub</a:t>
+            </a:r>
+            <a:r>
+              <a:rPr kumimoji="1" lang="ja-JP" altLang="en-US" sz="2000" dirty="0" smtClean="0"/>
+              <a:t>そのものの</a:t>
+            </a:r>
+            <a:r>
+              <a:rPr kumimoji="1" lang="en-US" altLang="ja-JP" sz="2000" dirty="0" smtClean="0"/>
+              <a:t>web</a:t>
+            </a:r>
+            <a:r>
+              <a:rPr kumimoji="1" lang="ja-JP" altLang="en-US" sz="2000" dirty="0" smtClean="0"/>
+              <a:t>ページの機能の説明、</a:t>
+            </a:r>
+            <a:endParaRPr kumimoji="1" lang="en-US" altLang="ja-JP" sz="2000" dirty="0" smtClean="0"/>
+          </a:p>
+          <a:p>
+            <a:r>
+              <a:rPr kumimoji="1" lang="ja-JP" altLang="en-US" sz="2000" dirty="0" smtClean="0"/>
+              <a:t>それに関して使う</a:t>
+            </a:r>
+            <a:r>
+              <a:rPr kumimoji="1" lang="ja-JP" altLang="en-US" sz="2000" dirty="0" smtClean="0">
+                <a:solidFill>
+                  <a:srgbClr val="FF0000"/>
+                </a:solidFill>
+              </a:rPr>
+              <a:t>ソフト</a:t>
+            </a:r>
+            <a:r>
+              <a:rPr kumimoji="1" lang="ja-JP" altLang="en-US" sz="2000" dirty="0" smtClean="0"/>
+              <a:t>など</a:t>
+            </a:r>
+            <a:r>
+              <a:rPr kumimoji="1" lang="ja-JP" altLang="en-US" sz="2000" dirty="0" smtClean="0"/>
+              <a:t>の説明をする説明書を作成する。</a:t>
+            </a:r>
+            <a:endParaRPr kumimoji="1" lang="en-US" altLang="ja-JP" sz="2000" dirty="0" smtClean="0"/>
+          </a:p>
+          <a:p>
+            <a:r>
+              <a:rPr kumimoji="1" lang="ja-JP" altLang="en-US" sz="2000" dirty="0"/>
+              <a:t>実際</a:t>
+            </a:r>
+            <a:r>
+              <a:rPr kumimoji="1" lang="ja-JP" altLang="en-US" sz="2000" dirty="0" smtClean="0"/>
+              <a:t>には</a:t>
+            </a:r>
+            <a:r>
+              <a:rPr kumimoji="1" lang="en-US" altLang="ja-JP" sz="2000" dirty="0" err="1" smtClean="0"/>
+              <a:t>github</a:t>
+            </a:r>
+            <a:r>
+              <a:rPr kumimoji="1" lang="ja-JP" altLang="en-US" sz="2000" dirty="0" smtClean="0"/>
+              <a:t>とソフトで</a:t>
+            </a:r>
+            <a:r>
+              <a:rPr kumimoji="1" lang="en-US" altLang="ja-JP" sz="2000" dirty="0" err="1" smtClean="0"/>
+              <a:t>git</a:t>
+            </a:r>
+            <a:r>
+              <a:rPr kumimoji="1" lang="ja-JP" altLang="en-US" sz="2000" dirty="0" smtClean="0"/>
+              <a:t>のコマンドを知らずに作成できてしまうが</a:t>
+            </a:r>
+            <a:r>
+              <a:rPr kumimoji="1" lang="ja-JP" altLang="en-US" sz="2000" dirty="0" smtClean="0"/>
+              <a:t>、</a:t>
+            </a:r>
+            <a:endParaRPr kumimoji="1" lang="en-US" altLang="ja-JP" sz="2000" dirty="0" smtClean="0"/>
+          </a:p>
+          <a:p>
+            <a:r>
+              <a:rPr kumimoji="1" lang="ja-JP" altLang="en-US" sz="2000" dirty="0" smtClean="0"/>
+              <a:t>それだけでは完璧</a:t>
+            </a:r>
+            <a:r>
+              <a:rPr kumimoji="1" lang="ja-JP" altLang="en-US" sz="2000" dirty="0" smtClean="0"/>
+              <a:t>に</a:t>
+            </a:r>
+            <a:r>
+              <a:rPr kumimoji="1" lang="en-US" altLang="ja-JP" sz="2000" dirty="0" err="1" smtClean="0"/>
+              <a:t>git</a:t>
+            </a:r>
+            <a:r>
+              <a:rPr kumimoji="1" lang="ja-JP" altLang="en-US" sz="2000" dirty="0" smtClean="0"/>
+              <a:t>を理解した</a:t>
+            </a:r>
+            <a:r>
+              <a:rPr kumimoji="1" lang="ja-JP" altLang="en-US" sz="2000" dirty="0" smtClean="0"/>
+              <a:t>と</a:t>
+            </a:r>
+            <a:r>
+              <a:rPr kumimoji="1" lang="ja-JP" altLang="en-US" sz="2000" dirty="0" smtClean="0"/>
+              <a:t>は言えないので、</a:t>
+            </a:r>
+            <a:endParaRPr kumimoji="1" lang="en-US" altLang="ja-JP" sz="2000" dirty="0" smtClean="0"/>
+          </a:p>
+          <a:p>
+            <a:r>
+              <a:rPr kumimoji="1" lang="ja-JP" altLang="en-US" sz="2000" dirty="0" smtClean="0"/>
+              <a:t>実際に</a:t>
+            </a:r>
+            <a:r>
+              <a:rPr kumimoji="1" lang="en-US" altLang="ja-JP" sz="2000" dirty="0" err="1" smtClean="0"/>
+              <a:t>github</a:t>
+            </a:r>
+            <a:r>
+              <a:rPr kumimoji="1" lang="en-US" altLang="ja-JP" sz="2000" dirty="0" smtClean="0"/>
+              <a:t> desktop</a:t>
+            </a:r>
+            <a:r>
+              <a:rPr kumimoji="1" lang="ja-JP" altLang="en-US" sz="2000" dirty="0" err="1" smtClean="0"/>
+              <a:t>での</a:t>
+            </a:r>
+            <a:r>
+              <a:rPr kumimoji="1" lang="ja-JP" altLang="en-US" sz="2000" dirty="0" smtClean="0"/>
+              <a:t>操作により行っているコマンド</a:t>
+            </a:r>
+            <a:r>
+              <a:rPr kumimoji="1" lang="ja-JP" altLang="en-US" sz="2000" dirty="0" smtClean="0"/>
+              <a:t>など中身の</a:t>
+            </a:r>
+            <a:r>
+              <a:rPr kumimoji="1" lang="ja-JP" altLang="en-US" sz="2000" dirty="0" smtClean="0"/>
+              <a:t>説明もして、</a:t>
+            </a:r>
+            <a:endParaRPr kumimoji="1" lang="en-US" altLang="ja-JP" sz="2000" dirty="0" smtClean="0"/>
+          </a:p>
+          <a:p>
+            <a:r>
+              <a:rPr kumimoji="1" lang="ja-JP" altLang="en-US" sz="2000" dirty="0" smtClean="0"/>
+              <a:t>学生向けの説明資料を作成する。</a:t>
+            </a:r>
+            <a:endParaRPr kumimoji="1" lang="en-US" altLang="ja-JP" sz="2000" dirty="0" smtClean="0"/>
+          </a:p>
+        </p:txBody>
+      </p:sp>
+      <p:sp>
+        <p:nvSpPr>
+          <p:cNvPr id="4" name="テキスト ボックス 3"/>
+          <p:cNvSpPr txBox="1"/>
+          <p:nvPr/>
+        </p:nvSpPr>
+        <p:spPr>
+          <a:xfrm>
+            <a:off x="1260389" y="4407244"/>
+            <a:ext cx="7072770" cy="523220"/>
+          </a:xfrm>
+          <a:prstGeom prst="rect">
+            <a:avLst/>
+          </a:prstGeom>
+          <a:noFill/>
+        </p:spPr>
+        <p:txBody>
+          <a:bodyPr wrap="none" rtlCol="0">
+            <a:spAutoFit/>
+          </a:bodyPr>
+          <a:lstStyle/>
+          <a:p>
+            <a:r>
+              <a:rPr kumimoji="1" lang="ja-JP" altLang="en-US" sz="2800" dirty="0" smtClean="0"/>
+              <a:t>実際に</a:t>
+            </a:r>
+            <a:r>
+              <a:rPr kumimoji="1" lang="en-US" altLang="ja-JP" sz="2800" dirty="0" err="1" smtClean="0"/>
+              <a:t>git</a:t>
+            </a:r>
+            <a:r>
+              <a:rPr kumimoji="1" lang="ja-JP" altLang="en-US" sz="2800" dirty="0" smtClean="0"/>
+              <a:t>を使い作ったゲームも発表する。</a:t>
+            </a:r>
+            <a:endParaRPr kumimoji="1" lang="ja-JP" altLang="en-US" sz="2800" dirty="0"/>
+          </a:p>
+        </p:txBody>
+      </p:sp>
+    </p:spTree>
+    <p:extLst>
+      <p:ext uri="{BB962C8B-B14F-4D97-AF65-F5344CB8AC3E}">
+        <p14:creationId xmlns:p14="http://schemas.microsoft.com/office/powerpoint/2010/main" val="2060754509"/>
+      </p:ext>
+    </p:extLst>
+  </p:cSld>
+  <p:clrMapOvr>
+    <a:masterClrMapping/>
+  </p:clrMapOvr>
+</p:sld>
+</file>
+
+<file path=ppt/slides/slide4.xml><?xml version="1.0" encoding="utf-8"?>
+<p:sld xmlns:a="http://schemas.openxmlformats.org/drawingml/2006/main" xmlns:r="http://schemas.openxmlformats.org/officeDocument/2006/relationships" xmlns:p="http://schemas.openxmlformats.org/presentationml/2006/main">
+  <p:cSld>
+    <p:spTree>
+      <p:nvGrpSpPr>
+        <p:cNvPr id="1" name=""/>
+        <p:cNvGrpSpPr/>
+        <p:nvPr/>
+      </p:nvGrpSpPr>
+      <p:grpSpPr>
+        <a:xfrm>
+          <a:off x="0" y="0"/>
+          <a:ext cx="0" cy="0"/>
+          <a:chOff x="0" y="0"/>
+          <a:chExt cx="0" cy="0"/>
+        </a:xfrm>
+      </p:grpSpPr>
+      <p:sp>
+        <p:nvSpPr>
+          <p:cNvPr id="2" name="テキスト ボックス 1"/>
+          <p:cNvSpPr txBox="1"/>
+          <p:nvPr/>
+        </p:nvSpPr>
+        <p:spPr>
+          <a:xfrm>
             <a:off x="700216" y="313038"/>
             <a:ext cx="8494633" cy="830997"/>
           </a:xfrm>
@@ -6558,7 +6801,7 @@
 </p:sld>
 </file>
 
-<file path=ppt/slides/slide4.xml><?xml version="1.0" encoding="utf-8"?>
+<file path=ppt/slides/slide5.xml><?xml version="1.0" encoding="utf-8"?>
 <p:sld xmlns:a="http://schemas.openxmlformats.org/drawingml/2006/main" xmlns:r="http://schemas.openxmlformats.org/officeDocument/2006/relationships" xmlns:p="http://schemas.openxmlformats.org/presentationml/2006/main">
   <p:cSld>
     <p:spTree>
@@ -6832,7 +7075,7 @@
 </p:sld>
 </file>
 
-<file path=ppt/slides/slide5.xml><?xml version="1.0" encoding="utf-8"?>
+<file path=ppt/slides/slide6.xml><?xml version="1.0" encoding="utf-8"?>
 <p:sld xmlns:a="http://schemas.openxmlformats.org/drawingml/2006/main" xmlns:r="http://schemas.openxmlformats.org/officeDocument/2006/relationships" xmlns:p="http://schemas.openxmlformats.org/presentationml/2006/main">
   <p:cSld>
     <p:spTree>
